--- a/기초 로드맵_자바의 정석_변승현_21.09.07.pptx
+++ b/기초 로드맵_자바의 정석_변승현_21.09.07.pptx
@@ -153,7 +153,7 @@
   </p:defaultTextStyle>
   <p:extLst>
     <p:ext uri="{EFAFB233-063F-42B5-8137-9DF3F51BA10A}">
-      <p15:sldGuideLst xmlns="" xmlns:p15="http://schemas.microsoft.com/office/powerpoint/2012/main">
+      <p15:sldGuideLst xmlns:p15="http://schemas.microsoft.com/office/powerpoint/2012/main" xmlns="">
         <p15:guide id="1" orient="horz" pos="2160" userDrawn="1">
           <p15:clr>
             <a:srgbClr val="A4A3A4"/>
@@ -167,7 +167,7 @@
       </p15:sldGuideLst>
     </p:ext>
     <p:ext uri="{2D200454-40CA-4A62-9FC3-DE9A4176ACB9}">
-      <p15:notesGuideLst xmlns="" xmlns:p15="http://schemas.microsoft.com/office/powerpoint/2012/main"/>
+      <p15:notesGuideLst xmlns:p15="http://schemas.microsoft.com/office/powerpoint/2012/main" xmlns=""/>
     </p:ext>
   </p:extLst>
 </p:presentation>
@@ -178,7 +178,7 @@
   <p:cmAuthor id="1" name="주식회사 에스더블유엠" initials="주에" lastIdx="1" clrIdx="0">
     <p:extLst>
       <p:ext uri="{19B8F6BF-5375-455C-9EA6-DF929625EA0E}">
-        <p15:presenceInfo xmlns="" xmlns:p15="http://schemas.microsoft.com/office/powerpoint/2012/main" userId="f7bdf26d2ec70107" providerId="Windows Live"/>
+        <p15:presenceInfo xmlns:p15="http://schemas.microsoft.com/office/powerpoint/2012/main" xmlns="" userId="f7bdf26d2ec70107" providerId="Windows Live"/>
       </p:ext>
     </p:extLst>
   </p:cmAuthor>
@@ -212,7 +212,7 @@
           <p:cNvPr id="2" name="머리글 개체 틀 1">
             <a:extLst>
               <a:ext uri="{FF2B5EF4-FFF2-40B4-BE49-F238E27FC236}">
-                <a16:creationId xmlns="" xmlns:a16="http://schemas.microsoft.com/office/drawing/2014/main" id="{F37184EB-2854-43E7-ABE4-BA5DBF88F9CD}"/>
+                <a16:creationId xmlns:a16="http://schemas.microsoft.com/office/drawing/2014/main" xmlns="" id="{F37184EB-2854-43E7-ABE4-BA5DBF88F9CD}"/>
               </a:ext>
             </a:extLst>
           </p:cNvPr>
@@ -249,7 +249,7 @@
           <p:cNvPr id="3" name="날짜 개체 틀 2">
             <a:extLst>
               <a:ext uri="{FF2B5EF4-FFF2-40B4-BE49-F238E27FC236}">
-                <a16:creationId xmlns="" xmlns:a16="http://schemas.microsoft.com/office/drawing/2014/main" id="{322137E9-0AE4-42C1-B573-782A03D2A70C}"/>
+                <a16:creationId xmlns:a16="http://schemas.microsoft.com/office/drawing/2014/main" xmlns="" id="{322137E9-0AE4-42C1-B573-782A03D2A70C}"/>
               </a:ext>
             </a:extLst>
           </p:cNvPr>
@@ -280,7 +280,7 @@
             <a:fld id="{4A230AD8-C21D-4B91-BDEA-269ECD8125C0}" type="datetimeFigureOut">
               <a:rPr lang="ko-KR" altLang="en-US" smtClean="0"/>
               <a:pPr/>
-              <a:t>2021-09-07</a:t>
+              <a:t>2021-09-08</a:t>
             </a:fld>
             <a:endParaRPr lang="ko-KR" altLang="en-US"/>
           </a:p>
@@ -291,7 +291,7 @@
           <p:cNvPr id="4" name="바닥글 개체 틀 3">
             <a:extLst>
               <a:ext uri="{FF2B5EF4-FFF2-40B4-BE49-F238E27FC236}">
-                <a16:creationId xmlns="" xmlns:a16="http://schemas.microsoft.com/office/drawing/2014/main" id="{7FE3ECD0-8A04-44B5-A632-0749329F1446}"/>
+                <a16:creationId xmlns:a16="http://schemas.microsoft.com/office/drawing/2014/main" xmlns="" id="{7FE3ECD0-8A04-44B5-A632-0749329F1446}"/>
               </a:ext>
             </a:extLst>
           </p:cNvPr>
@@ -328,7 +328,7 @@
           <p:cNvPr id="5" name="슬라이드 번호 개체 틀 4">
             <a:extLst>
               <a:ext uri="{FF2B5EF4-FFF2-40B4-BE49-F238E27FC236}">
-                <a16:creationId xmlns="" xmlns:a16="http://schemas.microsoft.com/office/drawing/2014/main" id="{D77F9C58-46B9-4487-92AF-4A105F1ACDEC}"/>
+                <a16:creationId xmlns:a16="http://schemas.microsoft.com/office/drawing/2014/main" xmlns="" id="{D77F9C58-46B9-4487-92AF-4A105F1ACDEC}"/>
               </a:ext>
             </a:extLst>
           </p:cNvPr>
@@ -368,7 +368,7 @@
     </p:spTree>
     <p:extLst>
       <p:ext uri="{BB962C8B-B14F-4D97-AF65-F5344CB8AC3E}">
-        <p14:creationId xmlns="" xmlns:p14="http://schemas.microsoft.com/office/powerpoint/2010/main" val="3823635510"/>
+        <p14:creationId xmlns:p14="http://schemas.microsoft.com/office/powerpoint/2010/main" xmlns="" val="3823635510"/>
       </p:ext>
     </p:extLst>
   </p:cSld>
@@ -488,7 +488,7 @@
               <a:pPr>
                 <a:defRPr/>
               </a:pPr>
-              <a:t>2021-09-07</a:t>
+              <a:t>2021-09-08</a:t>
             </a:fld>
             <a:endParaRPr lang="ko-KR" altLang="en-US"/>
           </a:p>
@@ -685,7 +685,7 @@
     </p:spTree>
     <p:extLst>
       <p:ext uri="{BB962C8B-B14F-4D97-AF65-F5344CB8AC3E}">
-        <p14:creationId xmlns="" xmlns:p14="http://schemas.microsoft.com/office/powerpoint/2010/main" val="332659884"/>
+        <p14:creationId xmlns:p14="http://schemas.microsoft.com/office/powerpoint/2010/main" xmlns="" val="332659884"/>
       </p:ext>
     </p:extLst>
   </p:cSld>
@@ -922,7 +922,7 @@
     </p:spTree>
     <p:extLst>
       <p:ext uri="{BB962C8B-B14F-4D97-AF65-F5344CB8AC3E}">
-        <p14:creationId xmlns="" xmlns:p14="http://schemas.microsoft.com/office/powerpoint/2010/main" val="2385430012"/>
+        <p14:creationId xmlns:p14="http://schemas.microsoft.com/office/powerpoint/2010/main" xmlns="" val="2385430012"/>
       </p:ext>
     </p:extLst>
   </p:cSld>
@@ -1399,7 +1399,7 @@
     </p:spTree>
     <p:extLst>
       <p:ext uri="{BB962C8B-B14F-4D97-AF65-F5344CB8AC3E}">
-        <p14:creationId xmlns="" xmlns:p14="http://schemas.microsoft.com/office/powerpoint/2010/main" val="2440216887"/>
+        <p14:creationId xmlns:p14="http://schemas.microsoft.com/office/powerpoint/2010/main" xmlns="" val="2440216887"/>
       </p:ext>
     </p:extLst>
   </p:cSld>
@@ -1431,7 +1431,7 @@
           <p:cNvPr id="3" name="텍스트 개체 틀 2">
             <a:extLst>
               <a:ext uri="{FF2B5EF4-FFF2-40B4-BE49-F238E27FC236}">
-                <a16:creationId xmlns="" xmlns:a16="http://schemas.microsoft.com/office/drawing/2014/main" id="{BE13907F-C351-4B64-8E61-A87546353100}"/>
+                <a16:creationId xmlns:a16="http://schemas.microsoft.com/office/drawing/2014/main" xmlns="" id="{BE13907F-C351-4B64-8E61-A87546353100}"/>
               </a:ext>
             </a:extLst>
           </p:cNvPr>
@@ -1492,7 +1492,7 @@
           <p:cNvPr id="6" name="슬라이드 번호 개체 틀 5">
             <a:extLst>
               <a:ext uri="{FF2B5EF4-FFF2-40B4-BE49-F238E27FC236}">
-                <a16:creationId xmlns="" xmlns:a16="http://schemas.microsoft.com/office/drawing/2014/main" id="{E408728A-7BEE-4A22-A609-8C444D44173F}"/>
+                <a16:creationId xmlns:a16="http://schemas.microsoft.com/office/drawing/2014/main" xmlns="" id="{E408728A-7BEE-4A22-A609-8C444D44173F}"/>
               </a:ext>
             </a:extLst>
           </p:cNvPr>
@@ -1546,7 +1546,7 @@
     </p:spTree>
     <p:extLst>
       <p:ext uri="{BB962C8B-B14F-4D97-AF65-F5344CB8AC3E}">
-        <p14:creationId xmlns="" xmlns:p14="http://schemas.microsoft.com/office/powerpoint/2010/main" val="816510239"/>
+        <p14:creationId xmlns:p14="http://schemas.microsoft.com/office/powerpoint/2010/main" xmlns="" val="816510239"/>
       </p:ext>
     </p:extLst>
   </p:cSld>
@@ -1578,7 +1578,7 @@
           <p:cNvPr id="9" name="직사각형 8">
             <a:extLst>
               <a:ext uri="{FF2B5EF4-FFF2-40B4-BE49-F238E27FC236}">
-                <a16:creationId xmlns="" xmlns:a16="http://schemas.microsoft.com/office/drawing/2014/main" id="{FFCD6510-A96D-438F-B329-8F2236F77B36}"/>
+                <a16:creationId xmlns:a16="http://schemas.microsoft.com/office/drawing/2014/main" xmlns="" id="{FFCD6510-A96D-438F-B329-8F2236F77B36}"/>
               </a:ext>
             </a:extLst>
           </p:cNvPr>
@@ -1630,7 +1630,7 @@
           <p:cNvPr id="3" name="텍스트 개체 틀 2">
             <a:extLst>
               <a:ext uri="{FF2B5EF4-FFF2-40B4-BE49-F238E27FC236}">
-                <a16:creationId xmlns="" xmlns:a16="http://schemas.microsoft.com/office/drawing/2014/main" id="{BE13907F-C351-4B64-8E61-A87546353100}"/>
+                <a16:creationId xmlns:a16="http://schemas.microsoft.com/office/drawing/2014/main" xmlns="" id="{BE13907F-C351-4B64-8E61-A87546353100}"/>
               </a:ext>
             </a:extLst>
           </p:cNvPr>
@@ -1690,7 +1690,7 @@
           <p:cNvPr id="4" name="직선 연결선 3">
             <a:extLst>
               <a:ext uri="{FF2B5EF4-FFF2-40B4-BE49-F238E27FC236}">
-                <a16:creationId xmlns="" xmlns:a16="http://schemas.microsoft.com/office/drawing/2014/main" id="{E301FF66-2B3E-40A8-B75B-646D25EF96D0}"/>
+                <a16:creationId xmlns:a16="http://schemas.microsoft.com/office/drawing/2014/main" xmlns="" id="{E301FF66-2B3E-40A8-B75B-646D25EF96D0}"/>
               </a:ext>
             </a:extLst>
           </p:cNvPr>
@@ -1735,7 +1735,7 @@
           <p:cNvPr id="7" name="그림 6">
             <a:extLst>
               <a:ext uri="{FF2B5EF4-FFF2-40B4-BE49-F238E27FC236}">
-                <a16:creationId xmlns="" xmlns:a16="http://schemas.microsoft.com/office/drawing/2014/main" id="{086FBE76-03DA-4F07-9364-79484B810F02}"/>
+                <a16:creationId xmlns:a16="http://schemas.microsoft.com/office/drawing/2014/main" xmlns="" id="{086FBE76-03DA-4F07-9364-79484B810F02}"/>
               </a:ext>
             </a:extLst>
           </p:cNvPr>
@@ -1748,7 +1748,7 @@
           <a:blip r:embed="rId2" cstate="print">
             <a:extLst>
               <a:ext uri="{28A0092B-C50C-407E-A947-70E740481C1C}">
-                <a14:useLocalDpi xmlns="" xmlns:a14="http://schemas.microsoft.com/office/drawing/2010/main" val="0"/>
+                <a14:useLocalDpi xmlns:a14="http://schemas.microsoft.com/office/drawing/2010/main" xmlns="" val="0"/>
               </a:ext>
             </a:extLst>
           </a:blip>
@@ -1769,7 +1769,7 @@
     </p:spTree>
     <p:extLst>
       <p:ext uri="{BB962C8B-B14F-4D97-AF65-F5344CB8AC3E}">
-        <p14:creationId xmlns="" xmlns:p14="http://schemas.microsoft.com/office/powerpoint/2010/main" val="3129551072"/>
+        <p14:creationId xmlns:p14="http://schemas.microsoft.com/office/powerpoint/2010/main" xmlns="" val="3129551072"/>
       </p:ext>
     </p:extLst>
   </p:cSld>
@@ -1799,7 +1799,7 @@
     </p:spTree>
     <p:extLst>
       <p:ext uri="{BB962C8B-B14F-4D97-AF65-F5344CB8AC3E}">
-        <p14:creationId xmlns="" xmlns:p14="http://schemas.microsoft.com/office/powerpoint/2010/main" val="2924269711"/>
+        <p14:creationId xmlns:p14="http://schemas.microsoft.com/office/powerpoint/2010/main" xmlns="" val="2924269711"/>
       </p:ext>
     </p:extLst>
   </p:cSld>
@@ -1831,7 +1831,7 @@
           <p:cNvPr id="2" name="직사각형 1">
             <a:extLst>
               <a:ext uri="{FF2B5EF4-FFF2-40B4-BE49-F238E27FC236}">
-                <a16:creationId xmlns="" xmlns:a16="http://schemas.microsoft.com/office/drawing/2014/main" id="{70797AC9-DD7D-4F2C-9124-833DE612286C}"/>
+                <a16:creationId xmlns:a16="http://schemas.microsoft.com/office/drawing/2014/main" xmlns="" id="{70797AC9-DD7D-4F2C-9124-833DE612286C}"/>
               </a:ext>
             </a:extLst>
           </p:cNvPr>
@@ -1881,7 +1881,7 @@
     </p:spTree>
     <p:extLst>
       <p:ext uri="{BB962C8B-B14F-4D97-AF65-F5344CB8AC3E}">
-        <p14:creationId xmlns="" xmlns:p14="http://schemas.microsoft.com/office/powerpoint/2010/main" val="2409429364"/>
+        <p14:creationId xmlns:p14="http://schemas.microsoft.com/office/powerpoint/2010/main" xmlns="" val="2409429364"/>
       </p:ext>
     </p:extLst>
   </p:cSld>
@@ -1921,7 +1921,7 @@
           <p:cNvPr id="2" name="직선 연결선 1">
             <a:extLst>
               <a:ext uri="{FF2B5EF4-FFF2-40B4-BE49-F238E27FC236}">
-                <a16:creationId xmlns="" xmlns:a16="http://schemas.microsoft.com/office/drawing/2014/main" id="{A558666D-FBEC-4F21-A4E2-55D5F0CF09E9}"/>
+                <a16:creationId xmlns:a16="http://schemas.microsoft.com/office/drawing/2014/main" xmlns="" id="{A558666D-FBEC-4F21-A4E2-55D5F0CF09E9}"/>
               </a:ext>
             </a:extLst>
           </p:cNvPr>
@@ -1968,7 +1968,7 @@
           <p:cNvPr id="4" name="직선 연결선 3">
             <a:extLst>
               <a:ext uri="{FF2B5EF4-FFF2-40B4-BE49-F238E27FC236}">
-                <a16:creationId xmlns="" xmlns:a16="http://schemas.microsoft.com/office/drawing/2014/main" id="{DABC4334-140E-41A9-8597-1C264E0BBE6B}"/>
+                <a16:creationId xmlns:a16="http://schemas.microsoft.com/office/drawing/2014/main" xmlns="" id="{DABC4334-140E-41A9-8597-1C264E0BBE6B}"/>
               </a:ext>
             </a:extLst>
           </p:cNvPr>
@@ -2015,7 +2015,7 @@
           <p:cNvPr id="5" name="Google Shape;11;p4">
             <a:extLst>
               <a:ext uri="{FF2B5EF4-FFF2-40B4-BE49-F238E27FC236}">
-                <a16:creationId xmlns="" xmlns:a16="http://schemas.microsoft.com/office/drawing/2014/main" id="{C0D596C2-BECE-45B2-86E2-2B6773F52F2E}"/>
+                <a16:creationId xmlns:a16="http://schemas.microsoft.com/office/drawing/2014/main" xmlns="" id="{C0D596C2-BECE-45B2-86E2-2B6773F52F2E}"/>
               </a:ext>
             </a:extLst>
           </p:cNvPr>
@@ -2529,7 +2529,7 @@
           <p:cNvPr id="3" name="텍스트 개체 틀 2">
             <a:extLst>
               <a:ext uri="{FF2B5EF4-FFF2-40B4-BE49-F238E27FC236}">
-                <a16:creationId xmlns="" xmlns:a16="http://schemas.microsoft.com/office/drawing/2014/main" id="{346260F6-45C8-4DC3-9608-598F9C41130D}"/>
+                <a16:creationId xmlns:a16="http://schemas.microsoft.com/office/drawing/2014/main" xmlns="" id="{346260F6-45C8-4DC3-9608-598F9C41130D}"/>
               </a:ext>
             </a:extLst>
           </p:cNvPr>
@@ -2570,7 +2570,7 @@
           <p:cNvPr id="5" name="표 2">
             <a:extLst>
               <a:ext uri="{FF2B5EF4-FFF2-40B4-BE49-F238E27FC236}">
-                <a16:creationId xmlns="" xmlns:a16="http://schemas.microsoft.com/office/drawing/2014/main" id="{183EE07E-B585-4BFB-8BED-1C3615BA29A9}"/>
+                <a16:creationId xmlns:a16="http://schemas.microsoft.com/office/drawing/2014/main" xmlns="" id="{183EE07E-B585-4BFB-8BED-1C3615BA29A9}"/>
               </a:ext>
             </a:extLst>
           </p:cNvPr>
@@ -2580,7 +2580,7 @@
           <p:nvPr>
             <p:extLst>
               <p:ext uri="{D42A27DB-BD31-4B8C-83A1-F6EECF244321}">
-                <p14:modId xmlns="" xmlns:p14="http://schemas.microsoft.com/office/powerpoint/2010/main" val="1860186984"/>
+                <p14:modId xmlns:p14="http://schemas.microsoft.com/office/powerpoint/2010/main" xmlns="" val="1860186984"/>
               </p:ext>
             </p:extLst>
           </p:nvPr>
@@ -2599,14 +2599,14 @@
                 <a:gridCol w="864096">
                   <a:extLst>
                     <a:ext uri="{9D8B030D-6E8A-4147-A177-3AD203B41FA5}">
-                      <a16:colId xmlns="" xmlns:a16="http://schemas.microsoft.com/office/drawing/2014/main" val="2420285383"/>
+                      <a16:colId xmlns:a16="http://schemas.microsoft.com/office/drawing/2014/main" xmlns="" val="2420285383"/>
                     </a:ext>
                   </a:extLst>
                 </a:gridCol>
                 <a:gridCol w="685850">
                   <a:extLst>
                     <a:ext uri="{9D8B030D-6E8A-4147-A177-3AD203B41FA5}">
-                      <a16:colId xmlns="" xmlns:a16="http://schemas.microsoft.com/office/drawing/2014/main" val="1459850034"/>
+                      <a16:colId xmlns:a16="http://schemas.microsoft.com/office/drawing/2014/main" xmlns="" val="1459850034"/>
                     </a:ext>
                   </a:extLst>
                 </a:gridCol>
@@ -2748,7 +2748,7 @@
                 </a:tc>
                 <a:extLst>
                   <a:ext uri="{0D108BD9-81ED-4DB2-BD59-A6C34878D82A}">
-                    <a16:rowId xmlns="" xmlns:a16="http://schemas.microsoft.com/office/drawing/2014/main" val="3355899281"/>
+                    <a16:rowId xmlns:a16="http://schemas.microsoft.com/office/drawing/2014/main" xmlns="" val="3355899281"/>
                   </a:ext>
                 </a:extLst>
               </a:tr>
@@ -2886,7 +2886,7 @@
                 </a:tc>
                 <a:extLst>
                   <a:ext uri="{0D108BD9-81ED-4DB2-BD59-A6C34878D82A}">
-                    <a16:rowId xmlns="" xmlns:a16="http://schemas.microsoft.com/office/drawing/2014/main" val="626778822"/>
+                    <a16:rowId xmlns:a16="http://schemas.microsoft.com/office/drawing/2014/main" xmlns="" val="626778822"/>
                   </a:ext>
                 </a:extLst>
               </a:tr>
@@ -3024,7 +3024,7 @@
                 </a:tc>
                 <a:extLst>
                   <a:ext uri="{0D108BD9-81ED-4DB2-BD59-A6C34878D82A}">
-                    <a16:rowId xmlns="" xmlns:a16="http://schemas.microsoft.com/office/drawing/2014/main" val="3571797319"/>
+                    <a16:rowId xmlns:a16="http://schemas.microsoft.com/office/drawing/2014/main" xmlns="" val="3571797319"/>
                   </a:ext>
                 </a:extLst>
               </a:tr>
@@ -3162,7 +3162,7 @@
                 </a:tc>
                 <a:extLst>
                   <a:ext uri="{0D108BD9-81ED-4DB2-BD59-A6C34878D82A}">
-                    <a16:rowId xmlns="" xmlns:a16="http://schemas.microsoft.com/office/drawing/2014/main" val="4075794737"/>
+                    <a16:rowId xmlns:a16="http://schemas.microsoft.com/office/drawing/2014/main" xmlns="" val="4075794737"/>
                   </a:ext>
                 </a:extLst>
               </a:tr>
@@ -3175,7 +3175,7 @@
           <p:cNvPr id="7" name="제목 8">
             <a:extLst>
               <a:ext uri="{FF2B5EF4-FFF2-40B4-BE49-F238E27FC236}">
-                <a16:creationId xmlns="" xmlns:a16="http://schemas.microsoft.com/office/drawing/2014/main" id="{4D0ECCF2-3B65-4A2A-9E19-D87334AA8F92}"/>
+                <a16:creationId xmlns:a16="http://schemas.microsoft.com/office/drawing/2014/main" xmlns="" id="{4D0ECCF2-3B65-4A2A-9E19-D87334AA8F92}"/>
               </a:ext>
             </a:extLst>
           </p:cNvPr>
@@ -3536,7 +3536,7 @@
           <p:cNvPr id="6" name="제목 8">
             <a:extLst>
               <a:ext uri="{FF2B5EF4-FFF2-40B4-BE49-F238E27FC236}">
-                <a16:creationId xmlns="" xmlns:a16="http://schemas.microsoft.com/office/drawing/2014/main" id="{4D0ECCF2-3B65-4A2A-9E19-D87334AA8F92}"/>
+                <a16:creationId xmlns:a16="http://schemas.microsoft.com/office/drawing/2014/main" xmlns="" id="{4D0ECCF2-3B65-4A2A-9E19-D87334AA8F92}"/>
               </a:ext>
             </a:extLst>
           </p:cNvPr>
@@ -3948,7 +3948,7 @@
           <p:cNvPr id="3" name="텍스트 개체 틀 2">
             <a:extLst>
               <a:ext uri="{FF2B5EF4-FFF2-40B4-BE49-F238E27FC236}">
-                <a16:creationId xmlns="" xmlns:a16="http://schemas.microsoft.com/office/drawing/2014/main" id="{193707F8-7D35-49D6-97F9-C7ED24B53287}"/>
+                <a16:creationId xmlns:a16="http://schemas.microsoft.com/office/drawing/2014/main" xmlns="" id="{193707F8-7D35-49D6-97F9-C7ED24B53287}"/>
               </a:ext>
             </a:extLst>
           </p:cNvPr>
@@ -3981,7 +3981,7 @@
           <p:cNvPr id="5" name="슬라이드 번호 개체 틀 4">
             <a:extLst>
               <a:ext uri="{FF2B5EF4-FFF2-40B4-BE49-F238E27FC236}">
-                <a16:creationId xmlns="" xmlns:a16="http://schemas.microsoft.com/office/drawing/2014/main" id="{7B8300BC-19A2-42D0-BBC6-4599CDA8AB1E}"/>
+                <a16:creationId xmlns:a16="http://schemas.microsoft.com/office/drawing/2014/main" xmlns="" id="{7B8300BC-19A2-42D0-BBC6-4599CDA8AB1E}"/>
               </a:ext>
             </a:extLst>
           </p:cNvPr>
@@ -5175,7 +5175,7 @@
     </p:spTree>
     <p:extLst>
       <p:ext uri="{BB962C8B-B14F-4D97-AF65-F5344CB8AC3E}">
-        <p14:creationId xmlns="" xmlns:p14="http://schemas.microsoft.com/office/powerpoint/2010/main" val="4131542772"/>
+        <p14:creationId xmlns:p14="http://schemas.microsoft.com/office/powerpoint/2010/main" xmlns="" val="4131542772"/>
       </p:ext>
     </p:extLst>
   </p:cSld>
@@ -5214,7 +5214,7 @@
           <p:cNvPr id="3" name="텍스트 개체 틀 2">
             <a:extLst>
               <a:ext uri="{FF2B5EF4-FFF2-40B4-BE49-F238E27FC236}">
-                <a16:creationId xmlns="" xmlns:a16="http://schemas.microsoft.com/office/drawing/2014/main" id="{193707F8-7D35-49D6-97F9-C7ED24B53287}"/>
+                <a16:creationId xmlns:a16="http://schemas.microsoft.com/office/drawing/2014/main" xmlns="" id="{193707F8-7D35-49D6-97F9-C7ED24B53287}"/>
               </a:ext>
             </a:extLst>
           </p:cNvPr>
@@ -5248,7 +5248,7 @@
           <p:cNvPr id="5" name="슬라이드 번호 개체 틀 4">
             <a:extLst>
               <a:ext uri="{FF2B5EF4-FFF2-40B4-BE49-F238E27FC236}">
-                <a16:creationId xmlns="" xmlns:a16="http://schemas.microsoft.com/office/drawing/2014/main" id="{7B8300BC-19A2-42D0-BBC6-4599CDA8AB1E}"/>
+                <a16:creationId xmlns:a16="http://schemas.microsoft.com/office/drawing/2014/main" xmlns="" id="{7B8300BC-19A2-42D0-BBC6-4599CDA8AB1E}"/>
               </a:ext>
             </a:extLst>
           </p:cNvPr>
@@ -5309,14 +5309,7 @@
                 <a:latin typeface="+mn-ea"/>
                 <a:ea typeface="+mn-ea"/>
               </a:rPr>
-              <a:t>-</a:t>
-            </a:r>
-            <a:r>
-              <a:rPr lang="en-US" altLang="ko-KR" sz="1200" b="1" dirty="0" smtClean="0">
-                <a:latin typeface="+mn-ea"/>
-                <a:ea typeface="+mn-ea"/>
-              </a:rPr>
-              <a:t> </a:t>
+              <a:t>- </a:t>
             </a:r>
             <a:r>
               <a:rPr lang="ko-KR" altLang="en-US" sz="1200" b="1" dirty="0" smtClean="0">
@@ -6759,7 +6752,7 @@
     </p:spTree>
     <p:extLst>
       <p:ext uri="{BB962C8B-B14F-4D97-AF65-F5344CB8AC3E}">
-        <p14:creationId xmlns="" xmlns:p14="http://schemas.microsoft.com/office/powerpoint/2010/main" val="4131542772"/>
+        <p14:creationId xmlns:p14="http://schemas.microsoft.com/office/powerpoint/2010/main" xmlns="" val="4131542772"/>
       </p:ext>
     </p:extLst>
   </p:cSld>
@@ -6798,7 +6791,7 @@
           <p:cNvPr id="8" name="Google Shape;256;p30" descr="3577377975_97c3a4934b_b.jpg">
             <a:extLst>
               <a:ext uri="{FF2B5EF4-FFF2-40B4-BE49-F238E27FC236}">
-                <a16:creationId xmlns="" xmlns:a16="http://schemas.microsoft.com/office/drawing/2014/main" id="{D85A8641-E761-4D3F-878D-CF8DB428506A}"/>
+                <a16:creationId xmlns:a16="http://schemas.microsoft.com/office/drawing/2014/main" xmlns="" id="{D85A8641-E761-4D3F-878D-CF8DB428506A}"/>
               </a:ext>
             </a:extLst>
           </p:cNvPr>
@@ -6831,7 +6824,7 @@
           <p:cNvPr id="9" name="Google Shape;257;p30">
             <a:extLst>
               <a:ext uri="{FF2B5EF4-FFF2-40B4-BE49-F238E27FC236}">
-                <a16:creationId xmlns="" xmlns:a16="http://schemas.microsoft.com/office/drawing/2014/main" id="{6529DBB0-C8B5-46AE-97E7-F927E787FD56}"/>
+                <a16:creationId xmlns:a16="http://schemas.microsoft.com/office/drawing/2014/main" xmlns="" id="{6529DBB0-C8B5-46AE-97E7-F927E787FD56}"/>
               </a:ext>
             </a:extLst>
           </p:cNvPr>
@@ -6903,7 +6896,7 @@
           <p:cNvPr id="10" name="Google Shape;258;p30">
             <a:extLst>
               <a:ext uri="{FF2B5EF4-FFF2-40B4-BE49-F238E27FC236}">
-                <a16:creationId xmlns="" xmlns:a16="http://schemas.microsoft.com/office/drawing/2014/main" id="{166046AC-4D9E-4CD3-AEF1-5AE695845694}"/>
+                <a16:creationId xmlns:a16="http://schemas.microsoft.com/office/drawing/2014/main" xmlns="" id="{166046AC-4D9E-4CD3-AEF1-5AE695845694}"/>
               </a:ext>
             </a:extLst>
           </p:cNvPr>
@@ -6929,7 +6922,7 @@
           <p:cNvPr id="11" name="Google Shape;259;p30">
             <a:extLst>
               <a:ext uri="{FF2B5EF4-FFF2-40B4-BE49-F238E27FC236}">
-                <a16:creationId xmlns="" xmlns:a16="http://schemas.microsoft.com/office/drawing/2014/main" id="{89487DF4-B578-4CB3-9747-A82E4C67C8E1}"/>
+                <a16:creationId xmlns:a16="http://schemas.microsoft.com/office/drawing/2014/main" xmlns="" id="{89487DF4-B578-4CB3-9747-A82E4C67C8E1}"/>
               </a:ext>
             </a:extLst>
           </p:cNvPr>
@@ -6955,7 +6948,7 @@
           <p:cNvPr id="12" name="Google Shape;260;p30">
             <a:extLst>
               <a:ext uri="{FF2B5EF4-FFF2-40B4-BE49-F238E27FC236}">
-                <a16:creationId xmlns="" xmlns:a16="http://schemas.microsoft.com/office/drawing/2014/main" id="{D3FE6C58-FA59-4F8E-B3BB-6F84950C9B15}"/>
+                <a16:creationId xmlns:a16="http://schemas.microsoft.com/office/drawing/2014/main" xmlns="" id="{D3FE6C58-FA59-4F8E-B3BB-6F84950C9B15}"/>
               </a:ext>
             </a:extLst>
           </p:cNvPr>
@@ -6981,7 +6974,7 @@
           <p:cNvPr id="13" name="Google Shape;261;p30">
             <a:extLst>
               <a:ext uri="{FF2B5EF4-FFF2-40B4-BE49-F238E27FC236}">
-                <a16:creationId xmlns="" xmlns:a16="http://schemas.microsoft.com/office/drawing/2014/main" id="{5FF768E6-A978-43D9-BD08-255ED0EB3097}"/>
+                <a16:creationId xmlns:a16="http://schemas.microsoft.com/office/drawing/2014/main" xmlns="" id="{5FF768E6-A978-43D9-BD08-255ED0EB3097}"/>
               </a:ext>
             </a:extLst>
           </p:cNvPr>
@@ -7007,7 +7000,7 @@
           <p:cNvPr id="14" name="Google Shape;262;p30">
             <a:extLst>
               <a:ext uri="{FF2B5EF4-FFF2-40B4-BE49-F238E27FC236}">
-                <a16:creationId xmlns="" xmlns:a16="http://schemas.microsoft.com/office/drawing/2014/main" id="{298E7B74-B7D4-497C-AF8B-08273C3AE196}"/>
+                <a16:creationId xmlns:a16="http://schemas.microsoft.com/office/drawing/2014/main" xmlns="" id="{298E7B74-B7D4-497C-AF8B-08273C3AE196}"/>
               </a:ext>
             </a:extLst>
           </p:cNvPr>
@@ -7033,7 +7026,7 @@
           <p:cNvPr id="15" name="Google Shape;263;p30">
             <a:extLst>
               <a:ext uri="{FF2B5EF4-FFF2-40B4-BE49-F238E27FC236}">
-                <a16:creationId xmlns="" xmlns:a16="http://schemas.microsoft.com/office/drawing/2014/main" id="{ACDDA6D9-BF8B-4F97-9F94-D8C2EF0FC340}"/>
+                <a16:creationId xmlns:a16="http://schemas.microsoft.com/office/drawing/2014/main" xmlns="" id="{ACDDA6D9-BF8B-4F97-9F94-D8C2EF0FC340}"/>
               </a:ext>
             </a:extLst>
           </p:cNvPr>
@@ -7059,7 +7052,7 @@
           <p:cNvPr id="16" name="Google Shape;264;p30">
             <a:extLst>
               <a:ext uri="{FF2B5EF4-FFF2-40B4-BE49-F238E27FC236}">
-                <a16:creationId xmlns="" xmlns:a16="http://schemas.microsoft.com/office/drawing/2014/main" id="{0A17A86B-976E-4AD6-B982-D328BB42988C}"/>
+                <a16:creationId xmlns:a16="http://schemas.microsoft.com/office/drawing/2014/main" xmlns="" id="{0A17A86B-976E-4AD6-B982-D328BB42988C}"/>
               </a:ext>
             </a:extLst>
           </p:cNvPr>
@@ -7085,7 +7078,7 @@
           <p:cNvPr id="17" name="Google Shape;265;p30">
             <a:extLst>
               <a:ext uri="{FF2B5EF4-FFF2-40B4-BE49-F238E27FC236}">
-                <a16:creationId xmlns="" xmlns:a16="http://schemas.microsoft.com/office/drawing/2014/main" id="{A896A65B-E33A-402A-9059-F33DCA649B82}"/>
+                <a16:creationId xmlns:a16="http://schemas.microsoft.com/office/drawing/2014/main" xmlns="" id="{A896A65B-E33A-402A-9059-F33DCA649B82}"/>
               </a:ext>
             </a:extLst>
           </p:cNvPr>
@@ -7111,7 +7104,7 @@
           <p:cNvPr id="18" name="Google Shape;266;p30">
             <a:extLst>
               <a:ext uri="{FF2B5EF4-FFF2-40B4-BE49-F238E27FC236}">
-                <a16:creationId xmlns="" xmlns:a16="http://schemas.microsoft.com/office/drawing/2014/main" id="{67009E4C-36CB-4196-9E75-FF5832F505FE}"/>
+                <a16:creationId xmlns:a16="http://schemas.microsoft.com/office/drawing/2014/main" xmlns="" id="{67009E4C-36CB-4196-9E75-FF5832F505FE}"/>
               </a:ext>
             </a:extLst>
           </p:cNvPr>
@@ -7137,7 +7130,7 @@
           <p:cNvPr id="19" name="Google Shape;267;p30">
             <a:extLst>
               <a:ext uri="{FF2B5EF4-FFF2-40B4-BE49-F238E27FC236}">
-                <a16:creationId xmlns="" xmlns:a16="http://schemas.microsoft.com/office/drawing/2014/main" id="{8D4C6A71-657E-4934-B9B3-07C144AD42A9}"/>
+                <a16:creationId xmlns:a16="http://schemas.microsoft.com/office/drawing/2014/main" xmlns="" id="{8D4C6A71-657E-4934-B9B3-07C144AD42A9}"/>
               </a:ext>
             </a:extLst>
           </p:cNvPr>
@@ -7163,7 +7156,7 @@
           <p:cNvPr id="20" name="Google Shape;268;p30">
             <a:extLst>
               <a:ext uri="{FF2B5EF4-FFF2-40B4-BE49-F238E27FC236}">
-                <a16:creationId xmlns="" xmlns:a16="http://schemas.microsoft.com/office/drawing/2014/main" id="{BFDA0DAC-899F-47E4-BA91-6FC537B195F4}"/>
+                <a16:creationId xmlns:a16="http://schemas.microsoft.com/office/drawing/2014/main" xmlns="" id="{BFDA0DAC-899F-47E4-BA91-6FC537B195F4}"/>
               </a:ext>
             </a:extLst>
           </p:cNvPr>
@@ -7195,7 +7188,7 @@
           <p:cNvPr id="21" name="Google Shape;269;p30">
             <a:extLst>
               <a:ext uri="{FF2B5EF4-FFF2-40B4-BE49-F238E27FC236}">
-                <a16:creationId xmlns="" xmlns:a16="http://schemas.microsoft.com/office/drawing/2014/main" id="{BB920256-744A-4E5D-B349-AC265C212870}"/>
+                <a16:creationId xmlns:a16="http://schemas.microsoft.com/office/drawing/2014/main" xmlns="" id="{BB920256-744A-4E5D-B349-AC265C212870}"/>
               </a:ext>
             </a:extLst>
           </p:cNvPr>
@@ -7363,7 +7356,7 @@
           <p:cNvPr id="22" name="Google Shape;270;p30">
             <a:extLst>
               <a:ext uri="{FF2B5EF4-FFF2-40B4-BE49-F238E27FC236}">
-                <a16:creationId xmlns="" xmlns:a16="http://schemas.microsoft.com/office/drawing/2014/main" id="{637C7584-6185-489D-806D-D36C79F20292}"/>
+                <a16:creationId xmlns:a16="http://schemas.microsoft.com/office/drawing/2014/main" xmlns="" id="{637C7584-6185-489D-806D-D36C79F20292}"/>
               </a:ext>
             </a:extLst>
           </p:cNvPr>
@@ -7562,7 +7555,7 @@
           <p:cNvPr id="26" name="그림 25">
             <a:extLst>
               <a:ext uri="{FF2B5EF4-FFF2-40B4-BE49-F238E27FC236}">
-                <a16:creationId xmlns="" xmlns:a16="http://schemas.microsoft.com/office/drawing/2014/main" id="{E0010296-81EB-4D61-A6FF-A6784B1865E5}"/>
+                <a16:creationId xmlns:a16="http://schemas.microsoft.com/office/drawing/2014/main" xmlns="" id="{E0010296-81EB-4D61-A6FF-A6784B1865E5}"/>
               </a:ext>
             </a:extLst>
           </p:cNvPr>
@@ -7575,7 +7568,7 @@
           <a:blip r:embed="rId5" cstate="print">
             <a:extLst>
               <a:ext uri="{28A0092B-C50C-407E-A947-70E740481C1C}">
-                <a14:useLocalDpi xmlns="" xmlns:a14="http://schemas.microsoft.com/office/drawing/2010/main" val="0"/>
+                <a14:useLocalDpi xmlns:a14="http://schemas.microsoft.com/office/drawing/2010/main" xmlns="" val="0"/>
               </a:ext>
             </a:extLst>
           </a:blip>
@@ -7596,7 +7589,7 @@
     </p:spTree>
     <p:extLst>
       <p:ext uri="{BB962C8B-B14F-4D97-AF65-F5344CB8AC3E}">
-        <p14:creationId xmlns="" xmlns:p14="http://schemas.microsoft.com/office/powerpoint/2010/main" val="2520429303"/>
+        <p14:creationId xmlns:p14="http://schemas.microsoft.com/office/powerpoint/2010/main" xmlns="" val="2520429303"/>
       </p:ext>
     </p:extLst>
   </p:cSld>
@@ -7635,7 +7628,7 @@
           <p:cNvPr id="3" name="텍스트 개체 틀 2">
             <a:extLst>
               <a:ext uri="{FF2B5EF4-FFF2-40B4-BE49-F238E27FC236}">
-                <a16:creationId xmlns="" xmlns:a16="http://schemas.microsoft.com/office/drawing/2014/main" id="{193707F8-7D35-49D6-97F9-C7ED24B53287}"/>
+                <a16:creationId xmlns:a16="http://schemas.microsoft.com/office/drawing/2014/main" xmlns="" id="{193707F8-7D35-49D6-97F9-C7ED24B53287}"/>
               </a:ext>
             </a:extLst>
           </p:cNvPr>
@@ -7668,7 +7661,7 @@
           <p:cNvPr id="5" name="슬라이드 번호 개체 틀 4">
             <a:extLst>
               <a:ext uri="{FF2B5EF4-FFF2-40B4-BE49-F238E27FC236}">
-                <a16:creationId xmlns="" xmlns:a16="http://schemas.microsoft.com/office/drawing/2014/main" id="{7B8300BC-19A2-42D0-BBC6-4599CDA8AB1E}"/>
+                <a16:creationId xmlns:a16="http://schemas.microsoft.com/office/drawing/2014/main" xmlns="" id="{7B8300BC-19A2-42D0-BBC6-4599CDA8AB1E}"/>
               </a:ext>
             </a:extLst>
           </p:cNvPr>
@@ -7703,7 +7696,7 @@
           <p:cNvPr id="80" name="제목 8">
             <a:extLst>
               <a:ext uri="{FF2B5EF4-FFF2-40B4-BE49-F238E27FC236}">
-                <a16:creationId xmlns="" xmlns:a16="http://schemas.microsoft.com/office/drawing/2014/main" id="{B3C2DDB2-FD74-4FB5-9994-2F2DB8B449DC}"/>
+                <a16:creationId xmlns:a16="http://schemas.microsoft.com/office/drawing/2014/main" xmlns="" id="{B3C2DDB2-FD74-4FB5-9994-2F2DB8B449DC}"/>
               </a:ext>
             </a:extLst>
           </p:cNvPr>
@@ -8390,7 +8383,7 @@
     </p:spTree>
     <p:extLst>
       <p:ext uri="{BB962C8B-B14F-4D97-AF65-F5344CB8AC3E}">
-        <p14:creationId xmlns="" xmlns:p14="http://schemas.microsoft.com/office/powerpoint/2010/main" val="2083697323"/>
+        <p14:creationId xmlns:p14="http://schemas.microsoft.com/office/powerpoint/2010/main" xmlns="" val="2083697323"/>
       </p:ext>
     </p:extLst>
   </p:cSld>
@@ -8429,7 +8422,7 @@
           <p:cNvPr id="3" name="텍스트 개체 틀 2">
             <a:extLst>
               <a:ext uri="{FF2B5EF4-FFF2-40B4-BE49-F238E27FC236}">
-                <a16:creationId xmlns="" xmlns:a16="http://schemas.microsoft.com/office/drawing/2014/main" id="{193707F8-7D35-49D6-97F9-C7ED24B53287}"/>
+                <a16:creationId xmlns:a16="http://schemas.microsoft.com/office/drawing/2014/main" xmlns="" id="{193707F8-7D35-49D6-97F9-C7ED24B53287}"/>
               </a:ext>
             </a:extLst>
           </p:cNvPr>
@@ -8463,7 +8456,7 @@
           <p:cNvPr id="5" name="슬라이드 번호 개체 틀 4">
             <a:extLst>
               <a:ext uri="{FF2B5EF4-FFF2-40B4-BE49-F238E27FC236}">
-                <a16:creationId xmlns="" xmlns:a16="http://schemas.microsoft.com/office/drawing/2014/main" id="{7B8300BC-19A2-42D0-BBC6-4599CDA8AB1E}"/>
+                <a16:creationId xmlns:a16="http://schemas.microsoft.com/office/drawing/2014/main" xmlns="" id="{7B8300BC-19A2-42D0-BBC6-4599CDA8AB1E}"/>
               </a:ext>
             </a:extLst>
           </p:cNvPr>
@@ -9218,7 +9211,7 @@
     </p:spTree>
     <p:extLst>
       <p:ext uri="{BB962C8B-B14F-4D97-AF65-F5344CB8AC3E}">
-        <p14:creationId xmlns="" xmlns:p14="http://schemas.microsoft.com/office/powerpoint/2010/main" val="4131542772"/>
+        <p14:creationId xmlns:p14="http://schemas.microsoft.com/office/powerpoint/2010/main" xmlns="" val="4131542772"/>
       </p:ext>
     </p:extLst>
   </p:cSld>
@@ -9257,7 +9250,7 @@
           <p:cNvPr id="3" name="텍스트 개체 틀 2">
             <a:extLst>
               <a:ext uri="{FF2B5EF4-FFF2-40B4-BE49-F238E27FC236}">
-                <a16:creationId xmlns="" xmlns:a16="http://schemas.microsoft.com/office/drawing/2014/main" id="{193707F8-7D35-49D6-97F9-C7ED24B53287}"/>
+                <a16:creationId xmlns:a16="http://schemas.microsoft.com/office/drawing/2014/main" xmlns="" id="{193707F8-7D35-49D6-97F9-C7ED24B53287}"/>
               </a:ext>
             </a:extLst>
           </p:cNvPr>
@@ -9290,7 +9283,7 @@
           <p:cNvPr id="5" name="슬라이드 번호 개체 틀 4">
             <a:extLst>
               <a:ext uri="{FF2B5EF4-FFF2-40B4-BE49-F238E27FC236}">
-                <a16:creationId xmlns="" xmlns:a16="http://schemas.microsoft.com/office/drawing/2014/main" id="{7B8300BC-19A2-42D0-BBC6-4599CDA8AB1E}"/>
+                <a16:creationId xmlns:a16="http://schemas.microsoft.com/office/drawing/2014/main" xmlns="" id="{7B8300BC-19A2-42D0-BBC6-4599CDA8AB1E}"/>
               </a:ext>
             </a:extLst>
           </p:cNvPr>
@@ -10122,7 +10115,7 @@
     </p:spTree>
     <p:extLst>
       <p:ext uri="{BB962C8B-B14F-4D97-AF65-F5344CB8AC3E}">
-        <p14:creationId xmlns="" xmlns:p14="http://schemas.microsoft.com/office/powerpoint/2010/main" val="4131542772"/>
+        <p14:creationId xmlns:p14="http://schemas.microsoft.com/office/powerpoint/2010/main" xmlns="" val="4131542772"/>
       </p:ext>
     </p:extLst>
   </p:cSld>
@@ -10161,7 +10154,7 @@
           <p:cNvPr id="3" name="텍스트 개체 틀 2">
             <a:extLst>
               <a:ext uri="{FF2B5EF4-FFF2-40B4-BE49-F238E27FC236}">
-                <a16:creationId xmlns="" xmlns:a16="http://schemas.microsoft.com/office/drawing/2014/main" id="{193707F8-7D35-49D6-97F9-C7ED24B53287}"/>
+                <a16:creationId xmlns:a16="http://schemas.microsoft.com/office/drawing/2014/main" xmlns="" id="{193707F8-7D35-49D6-97F9-C7ED24B53287}"/>
               </a:ext>
             </a:extLst>
           </p:cNvPr>
@@ -10194,7 +10187,7 @@
           <p:cNvPr id="5" name="슬라이드 번호 개체 틀 4">
             <a:extLst>
               <a:ext uri="{FF2B5EF4-FFF2-40B4-BE49-F238E27FC236}">
-                <a16:creationId xmlns="" xmlns:a16="http://schemas.microsoft.com/office/drawing/2014/main" id="{7B8300BC-19A2-42D0-BBC6-4599CDA8AB1E}"/>
+                <a16:creationId xmlns:a16="http://schemas.microsoft.com/office/drawing/2014/main" xmlns="" id="{7B8300BC-19A2-42D0-BBC6-4599CDA8AB1E}"/>
               </a:ext>
             </a:extLst>
           </p:cNvPr>
@@ -11420,7 +11413,7 @@
     </p:spTree>
     <p:extLst>
       <p:ext uri="{BB962C8B-B14F-4D97-AF65-F5344CB8AC3E}">
-        <p14:creationId xmlns="" xmlns:p14="http://schemas.microsoft.com/office/powerpoint/2010/main" val="4131542772"/>
+        <p14:creationId xmlns:p14="http://schemas.microsoft.com/office/powerpoint/2010/main" xmlns="" val="4131542772"/>
       </p:ext>
     </p:extLst>
   </p:cSld>
@@ -11459,7 +11452,7 @@
           <p:cNvPr id="3" name="텍스트 개체 틀 2">
             <a:extLst>
               <a:ext uri="{FF2B5EF4-FFF2-40B4-BE49-F238E27FC236}">
-                <a16:creationId xmlns="" xmlns:a16="http://schemas.microsoft.com/office/drawing/2014/main" id="{193707F8-7D35-49D6-97F9-C7ED24B53287}"/>
+                <a16:creationId xmlns:a16="http://schemas.microsoft.com/office/drawing/2014/main" xmlns="" id="{193707F8-7D35-49D6-97F9-C7ED24B53287}"/>
               </a:ext>
             </a:extLst>
           </p:cNvPr>
@@ -11493,7 +11486,7 @@
           <p:cNvPr id="5" name="슬라이드 번호 개체 틀 4">
             <a:extLst>
               <a:ext uri="{FF2B5EF4-FFF2-40B4-BE49-F238E27FC236}">
-                <a16:creationId xmlns="" xmlns:a16="http://schemas.microsoft.com/office/drawing/2014/main" id="{7B8300BC-19A2-42D0-BBC6-4599CDA8AB1E}"/>
+                <a16:creationId xmlns:a16="http://schemas.microsoft.com/office/drawing/2014/main" xmlns="" id="{7B8300BC-19A2-42D0-BBC6-4599CDA8AB1E}"/>
               </a:ext>
             </a:extLst>
           </p:cNvPr>
@@ -11617,7 +11610,7 @@
                 <a:latin typeface="+mn-ea"/>
                 <a:ea typeface="+mn-ea"/>
               </a:rPr>
-              <a:t>인스턴스를</a:t>
+              <a:t>인스턴스</a:t>
             </a:r>
             <a:r>
               <a:rPr lang="ko-KR" altLang="en-US" sz="1400" dirty="0" smtClean="0">
@@ -11731,14 +11724,28 @@
                 <a:latin typeface="+mn-ea"/>
                 <a:ea typeface="+mn-ea"/>
               </a:rPr>
-              <a:t>부모 클래스 타입의 참조 변수로 자식 클래스 타입의 </a:t>
+              <a:t>부모 클래스 타입의 참조 변수로 자식 클래스 </a:t>
+            </a:r>
+            <a:r>
+              <a:rPr lang="ko-KR" altLang="en-US" sz="1400" dirty="0" smtClean="0">
+                <a:latin typeface="+mn-ea"/>
+                <a:ea typeface="+mn-ea"/>
+              </a:rPr>
+              <a:t>타입</a:t>
+            </a:r>
+            <a:r>
+              <a:rPr lang="ko-KR" altLang="en-US" sz="1400" dirty="0" smtClean="0">
+                <a:latin typeface="+mn-ea"/>
+                <a:ea typeface="+mn-ea"/>
+              </a:rPr>
+              <a:t> </a:t>
             </a:r>
             <a:r>
               <a:rPr lang="ko-KR" altLang="en-US" sz="1400" dirty="0" err="1" smtClean="0">
                 <a:latin typeface="+mn-ea"/>
                 <a:ea typeface="+mn-ea"/>
               </a:rPr>
-              <a:t>인스턴스를</a:t>
+              <a:t>인스턴스</a:t>
             </a:r>
             <a:r>
               <a:rPr lang="ko-KR" altLang="en-US" sz="1400" dirty="0" smtClean="0">
@@ -12301,7 +12308,7 @@
     </p:spTree>
     <p:extLst>
       <p:ext uri="{BB962C8B-B14F-4D97-AF65-F5344CB8AC3E}">
-        <p14:creationId xmlns="" xmlns:p14="http://schemas.microsoft.com/office/powerpoint/2010/main" val="4131542772"/>
+        <p14:creationId xmlns:p14="http://schemas.microsoft.com/office/powerpoint/2010/main" xmlns="" val="4131542772"/>
       </p:ext>
     </p:extLst>
   </p:cSld>
@@ -12340,7 +12347,7 @@
           <p:cNvPr id="3" name="텍스트 개체 틀 2">
             <a:extLst>
               <a:ext uri="{FF2B5EF4-FFF2-40B4-BE49-F238E27FC236}">
-                <a16:creationId xmlns="" xmlns:a16="http://schemas.microsoft.com/office/drawing/2014/main" id="{193707F8-7D35-49D6-97F9-C7ED24B53287}"/>
+                <a16:creationId xmlns:a16="http://schemas.microsoft.com/office/drawing/2014/main" xmlns="" id="{193707F8-7D35-49D6-97F9-C7ED24B53287}"/>
               </a:ext>
             </a:extLst>
           </p:cNvPr>
@@ -12373,7 +12380,7 @@
           <p:cNvPr id="5" name="슬라이드 번호 개체 틀 4">
             <a:extLst>
               <a:ext uri="{FF2B5EF4-FFF2-40B4-BE49-F238E27FC236}">
-                <a16:creationId xmlns="" xmlns:a16="http://schemas.microsoft.com/office/drawing/2014/main" id="{7B8300BC-19A2-42D0-BBC6-4599CDA8AB1E}"/>
+                <a16:creationId xmlns:a16="http://schemas.microsoft.com/office/drawing/2014/main" xmlns="" id="{7B8300BC-19A2-42D0-BBC6-4599CDA8AB1E}"/>
               </a:ext>
             </a:extLst>
           </p:cNvPr>
@@ -13191,7 +13198,7 @@
     </p:spTree>
     <p:extLst>
       <p:ext uri="{BB962C8B-B14F-4D97-AF65-F5344CB8AC3E}">
-        <p14:creationId xmlns="" xmlns:p14="http://schemas.microsoft.com/office/powerpoint/2010/main" val="4131542772"/>
+        <p14:creationId xmlns:p14="http://schemas.microsoft.com/office/powerpoint/2010/main" xmlns="" val="4131542772"/>
       </p:ext>
     </p:extLst>
   </p:cSld>
@@ -13230,7 +13237,7 @@
           <p:cNvPr id="3" name="텍스트 개체 틀 2">
             <a:extLst>
               <a:ext uri="{FF2B5EF4-FFF2-40B4-BE49-F238E27FC236}">
-                <a16:creationId xmlns="" xmlns:a16="http://schemas.microsoft.com/office/drawing/2014/main" id="{193707F8-7D35-49D6-97F9-C7ED24B53287}"/>
+                <a16:creationId xmlns:a16="http://schemas.microsoft.com/office/drawing/2014/main" xmlns="" id="{193707F8-7D35-49D6-97F9-C7ED24B53287}"/>
               </a:ext>
             </a:extLst>
           </p:cNvPr>
@@ -13263,7 +13270,7 @@
           <p:cNvPr id="5" name="슬라이드 번호 개체 틀 4">
             <a:extLst>
               <a:ext uri="{FF2B5EF4-FFF2-40B4-BE49-F238E27FC236}">
-                <a16:creationId xmlns="" xmlns:a16="http://schemas.microsoft.com/office/drawing/2014/main" id="{7B8300BC-19A2-42D0-BBC6-4599CDA8AB1E}"/>
+                <a16:creationId xmlns:a16="http://schemas.microsoft.com/office/drawing/2014/main" xmlns="" id="{7B8300BC-19A2-42D0-BBC6-4599CDA8AB1E}"/>
               </a:ext>
             </a:extLst>
           </p:cNvPr>
@@ -14280,7 +14287,7 @@
     </p:spTree>
     <p:extLst>
       <p:ext uri="{BB962C8B-B14F-4D97-AF65-F5344CB8AC3E}">
-        <p14:creationId xmlns="" xmlns:p14="http://schemas.microsoft.com/office/powerpoint/2010/main" val="4131542772"/>
+        <p14:creationId xmlns:p14="http://schemas.microsoft.com/office/powerpoint/2010/main" xmlns="" val="4131542772"/>
       </p:ext>
     </p:extLst>
   </p:cSld>
@@ -14319,7 +14326,7 @@
           <p:cNvPr id="3" name="텍스트 개체 틀 2">
             <a:extLst>
               <a:ext uri="{FF2B5EF4-FFF2-40B4-BE49-F238E27FC236}">
-                <a16:creationId xmlns="" xmlns:a16="http://schemas.microsoft.com/office/drawing/2014/main" id="{193707F8-7D35-49D6-97F9-C7ED24B53287}"/>
+                <a16:creationId xmlns:a16="http://schemas.microsoft.com/office/drawing/2014/main" xmlns="" id="{193707F8-7D35-49D6-97F9-C7ED24B53287}"/>
               </a:ext>
             </a:extLst>
           </p:cNvPr>
@@ -14352,7 +14359,7 @@
           <p:cNvPr id="5" name="슬라이드 번호 개체 틀 4">
             <a:extLst>
               <a:ext uri="{FF2B5EF4-FFF2-40B4-BE49-F238E27FC236}">
-                <a16:creationId xmlns="" xmlns:a16="http://schemas.microsoft.com/office/drawing/2014/main" id="{7B8300BC-19A2-42D0-BBC6-4599CDA8AB1E}"/>
+                <a16:creationId xmlns:a16="http://schemas.microsoft.com/office/drawing/2014/main" xmlns="" id="{7B8300BC-19A2-42D0-BBC6-4599CDA8AB1E}"/>
               </a:ext>
             </a:extLst>
           </p:cNvPr>
@@ -15232,7 +15239,7 @@
     </p:spTree>
     <p:extLst>
       <p:ext uri="{BB962C8B-B14F-4D97-AF65-F5344CB8AC3E}">
-        <p14:creationId xmlns="" xmlns:p14="http://schemas.microsoft.com/office/powerpoint/2010/main" val="4131542772"/>
+        <p14:creationId xmlns:p14="http://schemas.microsoft.com/office/powerpoint/2010/main" xmlns="" val="4131542772"/>
       </p:ext>
     </p:extLst>
   </p:cSld>
@@ -16104,7 +16111,7 @@
   <a:extraClrSchemeLst/>
   <a:extLst>
     <a:ext uri="{05A4C25C-085E-4340-85A3-A5531E510DB2}">
-      <thm15:themeFamily xmlns="" xmlns:thm15="http://schemas.microsoft.com/office/thememl/2012/main" name="Office Theme" id="{62F939B6-93AF-4DB8-9C6B-D6C7DFDC589F}" vid="{4A3C46E8-61CC-4603-A589-7422A47A8E4A}"/>
+      <thm15:themeFamily xmlns:thm15="http://schemas.microsoft.com/office/thememl/2012/main" xmlns="" name="Office Theme" id="{62F939B6-93AF-4DB8-9C6B-D6C7DFDC589F}" vid="{4A3C46E8-61CC-4603-A589-7422A47A8E4A}"/>
     </a:ext>
   </a:extLst>
 </a:theme>
